--- a/小学期/美食天下小学期计划.pptx
+++ b/小学期/美食天下小学期计划.pptx
@@ -7434,8 +7434,8 @@
         </p:nvSpPr>
         <p:spPr>
           <a:xfrm>
-            <a:off x="1078321" y="1553617"/>
-            <a:ext cx="3992442" cy="1113499"/>
+            <a:off x="823595" y="1553845"/>
+            <a:ext cx="4246880" cy="1113790"/>
           </a:xfrm>
           <a:prstGeom prst="rect">
             <a:avLst/>
@@ -7598,7 +7598,7 @@
                   <a:schemeClr val="tx1"/>
                 </a:solidFill>
               </a:rPr>
-              <a:t>用户食谱上传，查看发布的菜谱（成发布和未成功发布）、美食圈的实现，找回密码</a:t>
+              <a:t>用户食谱上传，查看发布的菜谱（成发布和未成功发布）、美食圈的实现，找回密码，菜谱搜索，</a:t>
             </a:r>
             <a:r>
               <a:rPr lang="en-US" altLang="zh-CN" sz="2000" dirty="0">
@@ -7850,7 +7850,7 @@
                   <a:schemeClr val="tx1"/>
                 </a:solidFill>
               </a:rPr>
-              <a:t>层实现，找回密码后台的实现（通过密保问题</a:t>
+              <a:t>层实现，找回密码，菜谱搜索</a:t>
             </a:r>
             <a:r>
               <a:rPr lang="zh-CN" altLang="en-US" sz="2000" dirty="0">
@@ -7858,7 +7858,7 @@
                   <a:schemeClr val="tx1"/>
                 </a:solidFill>
               </a:rPr>
-              <a:t>）</a:t>
+              <a:t>后台的实现（通过密保问题）</a:t>
             </a:r>
             <a:endParaRPr lang="zh-CN" altLang="en-US" sz="2000" dirty="0">
               <a:solidFill>

--- a/小学期/美食天下小学期计划.pptx
+++ b/小学期/美食天下小学期计划.pptx
@@ -5133,7 +5133,7 @@
                   <a:cs typeface="+mj-cs"/>
                   <a:sym typeface="Arial" pitchFamily="34" charset="0"/>
                 </a:rPr>
-                <a:t>7.1~7.10</a:t>
+                <a:t>7.1~7.11</a:t>
               </a:r>
               <a:endParaRPr lang="en-US" altLang="zh-CN" sz="2000" dirty="0">
                 <a:solidFill>
@@ -5224,7 +5224,16 @@
                   </a:solidFill>
                   <a:sym typeface="Arial" pitchFamily="34" charset="0"/>
                 </a:rPr>
-                <a:t>）用户食谱上传、美食圈的实现</a:t>
+                <a:t>）用户菜谱上传、美食圈、菜谱搜索</a:t>
+              </a:r>
+              <a:r>
+                <a:rPr lang="zh-CN" altLang="en-US" dirty="0">
+                  <a:solidFill>
+                    <a:schemeClr val="tx1"/>
+                  </a:solidFill>
+                  <a:sym typeface="Arial" pitchFamily="34" charset="0"/>
+                </a:rPr>
+                <a:t>的实现</a:t>
               </a:r>
               <a:endParaRPr lang="zh-CN" altLang="en-US" dirty="0">
                 <a:solidFill>
@@ -5542,7 +5551,7 @@
                   <a:cs typeface="+mj-cs"/>
                   <a:sym typeface="Arial" pitchFamily="34" charset="0"/>
                 </a:rPr>
-                <a:t>7.11~7.14</a:t>
+                <a:t>7.12~7.13</a:t>
               </a:r>
               <a:endParaRPr lang="en-US" altLang="zh-CN" sz="2000" dirty="0">
                 <a:solidFill>
@@ -7850,15 +7859,7 @@
                   <a:schemeClr val="tx1"/>
                 </a:solidFill>
               </a:rPr>
-              <a:t>层实现，找回密码，菜谱搜索</a:t>
-            </a:r>
-            <a:r>
-              <a:rPr lang="zh-CN" altLang="en-US" sz="2000" dirty="0">
-                <a:solidFill>
-                  <a:schemeClr val="tx1"/>
-                </a:solidFill>
-              </a:rPr>
-              <a:t>后台的实现（通过密保问题）</a:t>
+              <a:t>层实现，找回密码，菜谱搜索后台的实现（通过密保问题）</a:t>
             </a:r>
             <a:endParaRPr lang="zh-CN" altLang="en-US" sz="2000" dirty="0">
               <a:solidFill>
